--- a/PPT/image_ppt.pptx
+++ b/PPT/image_ppt.pptx
@@ -3093,7 +3093,7 @@
       <p:grpSpPr/>
       <p:pic>
         <p:nvPicPr>
-          <p:cNvPr id="2" name="Picture 1" descr="image.jpg"/>
+          <p:cNvPr id="2" name="Picture 1" descr="image1.jpg"/>
           <p:cNvPicPr>
             <a:picLocks noChangeAspect="1"/>
           </p:cNvPicPr>

--- a/PPT/image_ppt.pptx
+++ b/PPT/image_ppt.pptx
@@ -7,8 +7,6 @@
   <p:sldIdLst>
     <p:sldId id="256" r:id="rId7"/>
     <p:sldId id="257" r:id="rId8"/>
-    <p:sldId id="258" r:id="rId9"/>
-    <p:sldId id="259" r:id="rId10"/>
   </p:sldIdLst>
   <p:sldSz cx="9144000" cy="6858000" type="screen4x3"/>
   <p:notesSz cx="6858000" cy="9144000"/>
@@ -3093,7 +3091,7 @@
       <p:grpSpPr/>
       <p:pic>
         <p:nvPicPr>
-          <p:cNvPr id="2" name="Picture 1" descr="image1.jpg"/>
+          <p:cNvPr id="2" name="Picture 1" descr="image.jpg"/>
           <p:cNvPicPr>
             <a:picLocks noChangeAspect="1"/>
           </p:cNvPicPr>
@@ -3107,8 +3105,8 @@
         </p:blipFill>
         <p:spPr>
           <a:xfrm>
-            <a:off x="0" y="0"/>
-            <a:ext cx="4572000" cy="6858000"/>
+            <a:off x="457200" y="457200"/>
+            <a:ext cx="3886200" cy="5943600"/>
           </a:xfrm>
           <a:prstGeom prst="rect">
             <a:avLst/>
@@ -3131,8 +3129,8 @@
         </p:blipFill>
         <p:spPr>
           <a:xfrm>
-            <a:off x="4572000" y="0"/>
-            <a:ext cx="4572000" cy="6858000"/>
+            <a:off x="4800600" y="457200"/>
+            <a:ext cx="3886200" cy="5943600"/>
           </a:xfrm>
           <a:prstGeom prst="rect">
             <a:avLst/>
@@ -3159,72 +3157,6 @@
       <p:grpSpPr/>
       <p:pic>
         <p:nvPicPr>
-          <p:cNvPr id="2" name="Picture 1" descr="image2.jpg"/>
-          <p:cNvPicPr>
-            <a:picLocks noChangeAspect="1"/>
-          </p:cNvPicPr>
-          <p:nvPr/>
-        </p:nvPicPr>
-        <p:blipFill>
-          <a:blip r:embed="rId2"/>
-          <a:stretch>
-            <a:fillRect/>
-          </a:stretch>
-        </p:blipFill>
-        <p:spPr>
-          <a:xfrm>
-            <a:off x="0" y="0"/>
-            <a:ext cx="4572000" cy="6858000"/>
-          </a:xfrm>
-          <a:prstGeom prst="rect">
-            <a:avLst/>
-          </a:prstGeom>
-        </p:spPr>
-      </p:pic>
-      <p:pic>
-        <p:nvPicPr>
-          <p:cNvPr id="3" name="Picture 2" descr="image3.jpg"/>
-          <p:cNvPicPr>
-            <a:picLocks noChangeAspect="1"/>
-          </p:cNvPicPr>
-          <p:nvPr/>
-        </p:nvPicPr>
-        <p:blipFill>
-          <a:blip r:embed="rId3"/>
-          <a:stretch>
-            <a:fillRect/>
-          </a:stretch>
-        </p:blipFill>
-        <p:spPr>
-          <a:xfrm>
-            <a:off x="4572000" y="0"/>
-            <a:ext cx="4572000" cy="6858000"/>
-          </a:xfrm>
-          <a:prstGeom prst="rect">
-            <a:avLst/>
-          </a:prstGeom>
-        </p:spPr>
-      </p:pic>
-    </p:spTree>
-  </p:cSld>
-  <p:clrMapOvr>
-    <a:masterClrMapping/>
-  </p:clrMapOvr>
-</p:sld>
-</file>
-
-<file path=ppt/slides/slide3.xml><?xml version="1.0" encoding="utf-8"?>
-<p:sld xmlns:a="http://schemas.openxmlformats.org/drawingml/2006/main" xmlns:p="http://schemas.openxmlformats.org/presentationml/2006/main" xmlns:r="http://schemas.openxmlformats.org/officeDocument/2006/relationships">
-  <p:cSld>
-    <p:spTree>
-      <p:nvGrpSpPr>
-        <p:cNvPr id="1" name=""/>
-        <p:cNvGrpSpPr/>
-        <p:nvPr/>
-      </p:nvGrpSpPr>
-      <p:grpSpPr/>
-      <p:pic>
-        <p:nvPicPr>
           <p:cNvPr id="2" name="Picture 1" descr="image3.jpg"/>
           <p:cNvPicPr>
             <a:picLocks noChangeAspect="1"/>
@@ -3239,8 +3171,8 @@
         </p:blipFill>
         <p:spPr>
           <a:xfrm>
-            <a:off x="0" y="0"/>
-            <a:ext cx="4572000" cy="6858000"/>
+            <a:off x="457200" y="457200"/>
+            <a:ext cx="3886200" cy="5943600"/>
           </a:xfrm>
           <a:prstGeom prst="rect">
             <a:avLst/>
@@ -3263,50 +3195,8 @@
         </p:blipFill>
         <p:spPr>
           <a:xfrm>
-            <a:off x="4572000" y="0"/>
-            <a:ext cx="4572000" cy="6858000"/>
-          </a:xfrm>
-          <a:prstGeom prst="rect">
-            <a:avLst/>
-          </a:prstGeom>
-        </p:spPr>
-      </p:pic>
-    </p:spTree>
-  </p:cSld>
-  <p:clrMapOvr>
-    <a:masterClrMapping/>
-  </p:clrMapOvr>
-</p:sld>
-</file>
-
-<file path=ppt/slides/slide4.xml><?xml version="1.0" encoding="utf-8"?>
-<p:sld xmlns:a="http://schemas.openxmlformats.org/drawingml/2006/main" xmlns:p="http://schemas.openxmlformats.org/presentationml/2006/main" xmlns:r="http://schemas.openxmlformats.org/officeDocument/2006/relationships">
-  <p:cSld>
-    <p:spTree>
-      <p:nvGrpSpPr>
-        <p:cNvPr id="1" name=""/>
-        <p:cNvGrpSpPr/>
-        <p:nvPr/>
-      </p:nvGrpSpPr>
-      <p:grpSpPr/>
-      <p:pic>
-        <p:nvPicPr>
-          <p:cNvPr id="2" name="Picture 1" descr="image2.jpg"/>
-          <p:cNvPicPr>
-            <a:picLocks noChangeAspect="1"/>
-          </p:cNvPicPr>
-          <p:nvPr/>
-        </p:nvPicPr>
-        <p:blipFill>
-          <a:blip r:embed="rId2"/>
-          <a:stretch>
-            <a:fillRect/>
-          </a:stretch>
-        </p:blipFill>
-        <p:spPr>
-          <a:xfrm>
-            <a:off x="0" y="0"/>
-            <a:ext cx="4572000" cy="6858000"/>
+            <a:off x="4800600" y="457200"/>
+            <a:ext cx="3886200" cy="5943600"/>
           </a:xfrm>
           <a:prstGeom prst="rect">
             <a:avLst/>

--- a/PPT/image_ppt.pptx
+++ b/PPT/image_ppt.pptx
@@ -3091,7 +3091,7 @@
       <p:grpSpPr/>
       <p:pic>
         <p:nvPicPr>
-          <p:cNvPr id="2" name="Picture 1" descr="image1.jpg"/>
+          <p:cNvPr id="2" name="Picture 1" descr="download1.jpg"/>
           <p:cNvPicPr>
             <a:picLocks noChangeAspect="1"/>
           </p:cNvPicPr>
@@ -3105,8 +3105,8 @@
         </p:blipFill>
         <p:spPr>
           <a:xfrm>
-            <a:off x="0" y="462935"/>
-            <a:ext cx="9144000" cy="5932129"/>
+            <a:off x="0" y="615462"/>
+            <a:ext cx="9144000" cy="5627076"/>
           </a:xfrm>
           <a:prstGeom prst="rect">
             <a:avLst/>
@@ -3133,7 +3133,7 @@
       <p:grpSpPr/>
       <p:pic>
         <p:nvPicPr>
-          <p:cNvPr id="2" name="Picture 1" descr="image2.jpg"/>
+          <p:cNvPr id="2" name="Picture 1" descr="image1.jpg"/>
           <p:cNvPicPr>
             <a:picLocks noChangeAspect="1"/>
           </p:cNvPicPr>
@@ -3147,8 +3147,8 @@
         </p:blipFill>
         <p:spPr>
           <a:xfrm>
-            <a:off x="0" y="4413"/>
-            <a:ext cx="9144000" cy="6849173"/>
+            <a:off x="0" y="462935"/>
+            <a:ext cx="9144000" cy="5932129"/>
           </a:xfrm>
           <a:prstGeom prst="rect">
             <a:avLst/>

--- a/PPT/image_ppt.pptx
+++ b/PPT/image_ppt.pptx
@@ -7,6 +7,9 @@
   <p:sldIdLst>
     <p:sldId id="256" r:id="rId7"/>
     <p:sldId id="257" r:id="rId8"/>
+    <p:sldId id="258" r:id="rId9"/>
+    <p:sldId id="259" r:id="rId10"/>
+    <p:sldId id="260" r:id="rId11"/>
   </p:sldIdLst>
   <p:sldSz cx="9144000" cy="6858000" type="screen4x3"/>
   <p:notesSz cx="6858000" cy="9144000"/>
@@ -3091,6 +3094,90 @@
       <p:grpSpPr/>
       <p:pic>
         <p:nvPicPr>
+          <p:cNvPr id="2" name="Picture 1" descr="image8.png"/>
+          <p:cNvPicPr>
+            <a:picLocks noChangeAspect="1"/>
+          </p:cNvPicPr>
+          <p:nvPr/>
+        </p:nvPicPr>
+        <p:blipFill>
+          <a:blip r:embed="rId2"/>
+          <a:stretch>
+            <a:fillRect/>
+          </a:stretch>
+        </p:blipFill>
+        <p:spPr>
+          <a:xfrm>
+            <a:off x="0" y="462935"/>
+            <a:ext cx="9144000" cy="5932129"/>
+          </a:xfrm>
+          <a:prstGeom prst="rect">
+            <a:avLst/>
+          </a:prstGeom>
+        </p:spPr>
+      </p:pic>
+    </p:spTree>
+  </p:cSld>
+  <p:clrMapOvr>
+    <a:masterClrMapping/>
+  </p:clrMapOvr>
+</p:sld>
+</file>
+
+<file path=ppt/slides/slide2.xml><?xml version="1.0" encoding="utf-8"?>
+<p:sld xmlns:a="http://schemas.openxmlformats.org/drawingml/2006/main" xmlns:p="http://schemas.openxmlformats.org/presentationml/2006/main" xmlns:r="http://schemas.openxmlformats.org/officeDocument/2006/relationships">
+  <p:cSld>
+    <p:spTree>
+      <p:nvGrpSpPr>
+        <p:cNvPr id="1" name=""/>
+        <p:cNvGrpSpPr/>
+        <p:nvPr/>
+      </p:nvGrpSpPr>
+      <p:grpSpPr/>
+      <p:pic>
+        <p:nvPicPr>
+          <p:cNvPr id="2" name="Picture 1" descr="images7.jpg"/>
+          <p:cNvPicPr>
+            <a:picLocks noChangeAspect="1"/>
+          </p:cNvPicPr>
+          <p:nvPr/>
+        </p:nvPicPr>
+        <p:blipFill>
+          <a:blip r:embed="rId2"/>
+          <a:stretch>
+            <a:fillRect/>
+          </a:stretch>
+        </p:blipFill>
+        <p:spPr>
+          <a:xfrm>
+            <a:off x="566005" y="0"/>
+            <a:ext cx="8011990" cy="6858000"/>
+          </a:xfrm>
+          <a:prstGeom prst="rect">
+            <a:avLst/>
+          </a:prstGeom>
+        </p:spPr>
+      </p:pic>
+    </p:spTree>
+  </p:cSld>
+  <p:clrMapOvr>
+    <a:masterClrMapping/>
+  </p:clrMapOvr>
+</p:sld>
+</file>
+
+<file path=ppt/slides/slide3.xml><?xml version="1.0" encoding="utf-8"?>
+<p:sld xmlns:a="http://schemas.openxmlformats.org/drawingml/2006/main" xmlns:p="http://schemas.openxmlformats.org/presentationml/2006/main" xmlns:r="http://schemas.openxmlformats.org/officeDocument/2006/relationships">
+  <p:cSld>
+    <p:spTree>
+      <p:nvGrpSpPr>
+        <p:cNvPr id="1" name=""/>
+        <p:cNvGrpSpPr/>
+        <p:nvPr/>
+      </p:nvGrpSpPr>
+      <p:grpSpPr/>
+      <p:pic>
+        <p:nvPicPr>
           <p:cNvPr id="2" name="Picture 1" descr="download1.jpg"/>
           <p:cNvPicPr>
             <a:picLocks noChangeAspect="1"/>
@@ -3121,7 +3208,7 @@
 </p:sld>
 </file>
 
-<file path=ppt/slides/slide2.xml><?xml version="1.0" encoding="utf-8"?>
+<file path=ppt/slides/slide4.xml><?xml version="1.0" encoding="utf-8"?>
 <p:sld xmlns:a="http://schemas.openxmlformats.org/drawingml/2006/main" xmlns:p="http://schemas.openxmlformats.org/presentationml/2006/main" xmlns:r="http://schemas.openxmlformats.org/officeDocument/2006/relationships">
   <p:cSld>
     <p:spTree>
@@ -3133,7 +3220,7 @@
       <p:grpSpPr/>
       <p:pic>
         <p:nvPicPr>
-          <p:cNvPr id="2" name="Picture 1" descr="image1.jpg"/>
+          <p:cNvPr id="2" name="Picture 1" descr="image6.jpg"/>
           <p:cNvPicPr>
             <a:picLocks noChangeAspect="1"/>
           </p:cNvPicPr>
@@ -3147,8 +3234,50 @@
         </p:blipFill>
         <p:spPr>
           <a:xfrm>
-            <a:off x="0" y="462935"/>
-            <a:ext cx="9144000" cy="5932129"/>
+            <a:off x="0" y="489857"/>
+            <a:ext cx="9144000" cy="5878285"/>
+          </a:xfrm>
+          <a:prstGeom prst="rect">
+            <a:avLst/>
+          </a:prstGeom>
+        </p:spPr>
+      </p:pic>
+    </p:spTree>
+  </p:cSld>
+  <p:clrMapOvr>
+    <a:masterClrMapping/>
+  </p:clrMapOvr>
+</p:sld>
+</file>
+
+<file path=ppt/slides/slide5.xml><?xml version="1.0" encoding="utf-8"?>
+<p:sld xmlns:a="http://schemas.openxmlformats.org/drawingml/2006/main" xmlns:p="http://schemas.openxmlformats.org/presentationml/2006/main" xmlns:r="http://schemas.openxmlformats.org/officeDocument/2006/relationships">
+  <p:cSld>
+    <p:spTree>
+      <p:nvGrpSpPr>
+        <p:cNvPr id="1" name=""/>
+        <p:cNvGrpSpPr/>
+        <p:nvPr/>
+      </p:nvGrpSpPr>
+      <p:grpSpPr/>
+      <p:pic>
+        <p:nvPicPr>
+          <p:cNvPr id="2" name="Picture 1" descr="images9.jpeg"/>
+          <p:cNvPicPr>
+            <a:picLocks noChangeAspect="1"/>
+          </p:cNvPicPr>
+          <p:nvPr/>
+        </p:nvPicPr>
+        <p:blipFill>
+          <a:blip r:embed="rId2"/>
+          <a:stretch>
+            <a:fillRect/>
+          </a:stretch>
+        </p:blipFill>
+        <p:spPr>
+          <a:xfrm>
+            <a:off x="0" y="1077268"/>
+            <a:ext cx="9144000" cy="4703463"/>
           </a:xfrm>
           <a:prstGeom prst="rect">
             <a:avLst/>

--- a/PPT/image_ppt.pptx
+++ b/PPT/image_ppt.pptx
@@ -3094,7 +3094,7 @@
       <p:grpSpPr/>
       <p:pic>
         <p:nvPicPr>
-          <p:cNvPr id="2" name="Picture 1" descr="image8.png"/>
+          <p:cNvPr id="2" name="Picture 1" descr="images9.jpeg"/>
           <p:cNvPicPr>
             <a:picLocks noChangeAspect="1"/>
           </p:cNvPicPr>
@@ -3108,8 +3108,8 @@
         </p:blipFill>
         <p:spPr>
           <a:xfrm>
-            <a:off x="0" y="462935"/>
-            <a:ext cx="9144000" cy="5932129"/>
+            <a:off x="0" y="1077268"/>
+            <a:ext cx="9144000" cy="4703463"/>
           </a:xfrm>
           <a:prstGeom prst="rect">
             <a:avLst/>
@@ -3178,6 +3178,48 @@
       <p:grpSpPr/>
       <p:pic>
         <p:nvPicPr>
+          <p:cNvPr id="2" name="Picture 1" descr="image6.jpg"/>
+          <p:cNvPicPr>
+            <a:picLocks noChangeAspect="1"/>
+          </p:cNvPicPr>
+          <p:nvPr/>
+        </p:nvPicPr>
+        <p:blipFill>
+          <a:blip r:embed="rId2"/>
+          <a:stretch>
+            <a:fillRect/>
+          </a:stretch>
+        </p:blipFill>
+        <p:spPr>
+          <a:xfrm>
+            <a:off x="0" y="489857"/>
+            <a:ext cx="9144000" cy="5878285"/>
+          </a:xfrm>
+          <a:prstGeom prst="rect">
+            <a:avLst/>
+          </a:prstGeom>
+        </p:spPr>
+      </p:pic>
+    </p:spTree>
+  </p:cSld>
+  <p:clrMapOvr>
+    <a:masterClrMapping/>
+  </p:clrMapOvr>
+</p:sld>
+</file>
+
+<file path=ppt/slides/slide4.xml><?xml version="1.0" encoding="utf-8"?>
+<p:sld xmlns:a="http://schemas.openxmlformats.org/drawingml/2006/main" xmlns:p="http://schemas.openxmlformats.org/presentationml/2006/main" xmlns:r="http://schemas.openxmlformats.org/officeDocument/2006/relationships">
+  <p:cSld>
+    <p:spTree>
+      <p:nvGrpSpPr>
+        <p:cNvPr id="1" name=""/>
+        <p:cNvGrpSpPr/>
+        <p:nvPr/>
+      </p:nvGrpSpPr>
+      <p:grpSpPr/>
+      <p:pic>
+        <p:nvPicPr>
           <p:cNvPr id="2" name="Picture 1" descr="download1.jpg"/>
           <p:cNvPicPr>
             <a:picLocks noChangeAspect="1"/>
@@ -3208,7 +3250,7 @@
 </p:sld>
 </file>
 
-<file path=ppt/slides/slide4.xml><?xml version="1.0" encoding="utf-8"?>
+<file path=ppt/slides/slide5.xml><?xml version="1.0" encoding="utf-8"?>
 <p:sld xmlns:a="http://schemas.openxmlformats.org/drawingml/2006/main" xmlns:p="http://schemas.openxmlformats.org/presentationml/2006/main" xmlns:r="http://schemas.openxmlformats.org/officeDocument/2006/relationships">
   <p:cSld>
     <p:spTree>
@@ -3220,7 +3262,7 @@
       <p:grpSpPr/>
       <p:pic>
         <p:nvPicPr>
-          <p:cNvPr id="2" name="Picture 1" descr="image6.jpg"/>
+          <p:cNvPr id="2" name="Picture 1" descr="image8.png"/>
           <p:cNvPicPr>
             <a:picLocks noChangeAspect="1"/>
           </p:cNvPicPr>
@@ -3234,50 +3276,8 @@
         </p:blipFill>
         <p:spPr>
           <a:xfrm>
-            <a:off x="0" y="489857"/>
-            <a:ext cx="9144000" cy="5878285"/>
-          </a:xfrm>
-          <a:prstGeom prst="rect">
-            <a:avLst/>
-          </a:prstGeom>
-        </p:spPr>
-      </p:pic>
-    </p:spTree>
-  </p:cSld>
-  <p:clrMapOvr>
-    <a:masterClrMapping/>
-  </p:clrMapOvr>
-</p:sld>
-</file>
-
-<file path=ppt/slides/slide5.xml><?xml version="1.0" encoding="utf-8"?>
-<p:sld xmlns:a="http://schemas.openxmlformats.org/drawingml/2006/main" xmlns:p="http://schemas.openxmlformats.org/presentationml/2006/main" xmlns:r="http://schemas.openxmlformats.org/officeDocument/2006/relationships">
-  <p:cSld>
-    <p:spTree>
-      <p:nvGrpSpPr>
-        <p:cNvPr id="1" name=""/>
-        <p:cNvGrpSpPr/>
-        <p:nvPr/>
-      </p:nvGrpSpPr>
-      <p:grpSpPr/>
-      <p:pic>
-        <p:nvPicPr>
-          <p:cNvPr id="2" name="Picture 1" descr="images9.jpeg"/>
-          <p:cNvPicPr>
-            <a:picLocks noChangeAspect="1"/>
-          </p:cNvPicPr>
-          <p:nvPr/>
-        </p:nvPicPr>
-        <p:blipFill>
-          <a:blip r:embed="rId2"/>
-          <a:stretch>
-            <a:fillRect/>
-          </a:stretch>
-        </p:blipFill>
-        <p:spPr>
-          <a:xfrm>
-            <a:off x="0" y="1077268"/>
-            <a:ext cx="9144000" cy="4703463"/>
+            <a:off x="0" y="462935"/>
+            <a:ext cx="9144000" cy="5932129"/>
           </a:xfrm>
           <a:prstGeom prst="rect">
             <a:avLst/>
